--- a/369 - There's an Old, Old Path.pptx
+++ b/369 - There's an Old, Old Path.pptx
@@ -244,7 +244,7 @@
           <a:p>
             <a:fld id="{32F7251A-AE54-443C-B8FE-5F636E835EBF}" type="datetimeFigureOut">
               <a:rPr lang="en-US" smtClean="0"/>
-              <a:t>2/18/2018</a:t>
+              <a:t>8/30/2020</a:t>
             </a:fld>
             <a:endParaRPr lang="en-US"/>
           </a:p>
@@ -412,7 +412,7 @@
           <a:p>
             <a:fld id="{32F7251A-AE54-443C-B8FE-5F636E835EBF}" type="datetimeFigureOut">
               <a:rPr lang="en-US" smtClean="0"/>
-              <a:t>2/18/2018</a:t>
+              <a:t>8/30/2020</a:t>
             </a:fld>
             <a:endParaRPr lang="en-US"/>
           </a:p>
@@ -590,7 +590,7 @@
           <a:p>
             <a:fld id="{32F7251A-AE54-443C-B8FE-5F636E835EBF}" type="datetimeFigureOut">
               <a:rPr lang="en-US" smtClean="0"/>
-              <a:t>2/18/2018</a:t>
+              <a:t>8/30/2020</a:t>
             </a:fld>
             <a:endParaRPr lang="en-US"/>
           </a:p>
@@ -758,7 +758,7 @@
           <a:p>
             <a:fld id="{32F7251A-AE54-443C-B8FE-5F636E835EBF}" type="datetimeFigureOut">
               <a:rPr lang="en-US" smtClean="0"/>
-              <a:t>2/18/2018</a:t>
+              <a:t>8/30/2020</a:t>
             </a:fld>
             <a:endParaRPr lang="en-US"/>
           </a:p>
@@ -1003,7 +1003,7 @@
           <a:p>
             <a:fld id="{32F7251A-AE54-443C-B8FE-5F636E835EBF}" type="datetimeFigureOut">
               <a:rPr lang="en-US" smtClean="0"/>
-              <a:t>2/18/2018</a:t>
+              <a:t>8/30/2020</a:t>
             </a:fld>
             <a:endParaRPr lang="en-US"/>
           </a:p>
@@ -1232,7 +1232,7 @@
           <a:p>
             <a:fld id="{32F7251A-AE54-443C-B8FE-5F636E835EBF}" type="datetimeFigureOut">
               <a:rPr lang="en-US" smtClean="0"/>
-              <a:t>2/18/2018</a:t>
+              <a:t>8/30/2020</a:t>
             </a:fld>
             <a:endParaRPr lang="en-US"/>
           </a:p>
@@ -1596,7 +1596,7 @@
           <a:p>
             <a:fld id="{32F7251A-AE54-443C-B8FE-5F636E835EBF}" type="datetimeFigureOut">
               <a:rPr lang="en-US" smtClean="0"/>
-              <a:t>2/18/2018</a:t>
+              <a:t>8/30/2020</a:t>
             </a:fld>
             <a:endParaRPr lang="en-US"/>
           </a:p>
@@ -1713,7 +1713,7 @@
           <a:p>
             <a:fld id="{32F7251A-AE54-443C-B8FE-5F636E835EBF}" type="datetimeFigureOut">
               <a:rPr lang="en-US" smtClean="0"/>
-              <a:t>2/18/2018</a:t>
+              <a:t>8/30/2020</a:t>
             </a:fld>
             <a:endParaRPr lang="en-US"/>
           </a:p>
@@ -1808,7 +1808,7 @@
           <a:p>
             <a:fld id="{32F7251A-AE54-443C-B8FE-5F636E835EBF}" type="datetimeFigureOut">
               <a:rPr lang="en-US" smtClean="0"/>
-              <a:t>2/18/2018</a:t>
+              <a:t>8/30/2020</a:t>
             </a:fld>
             <a:endParaRPr lang="en-US"/>
           </a:p>
@@ -2083,7 +2083,7 @@
           <a:p>
             <a:fld id="{32F7251A-AE54-443C-B8FE-5F636E835EBF}" type="datetimeFigureOut">
               <a:rPr lang="en-US" smtClean="0"/>
-              <a:t>2/18/2018</a:t>
+              <a:t>8/30/2020</a:t>
             </a:fld>
             <a:endParaRPr lang="en-US"/>
           </a:p>
@@ -2335,7 +2335,7 @@
           <a:p>
             <a:fld id="{32F7251A-AE54-443C-B8FE-5F636E835EBF}" type="datetimeFigureOut">
               <a:rPr lang="en-US" smtClean="0"/>
-              <a:t>2/18/2018</a:t>
+              <a:t>8/30/2020</a:t>
             </a:fld>
             <a:endParaRPr lang="en-US"/>
           </a:p>
@@ -2402,7 +2402,9 @@
     <p:bg>
       <p:bgPr>
         <a:solidFill>
-          <a:srgbClr val="333333"/>
+          <a:schemeClr val="bg1">
+            <a:lumMod val="10000"/>
+          </a:schemeClr>
         </a:solidFill>
         <a:effectLst/>
       </p:bgPr>
@@ -2549,7 +2551,7 @@
           <a:p>
             <a:fld id="{32F7251A-AE54-443C-B8FE-5F636E835EBF}" type="datetimeFigureOut">
               <a:rPr lang="en-US" smtClean="0"/>
-              <a:t>2/18/2018</a:t>
+              <a:t>8/30/2020</a:t>
             </a:fld>
             <a:endParaRPr lang="en-US"/>
           </a:p>
@@ -3019,8 +3021,8 @@
         </p:nvSpPr>
         <p:spPr>
           <a:xfrm>
-            <a:off x="0" y="5804209"/>
-            <a:ext cx="12192000" cy="830997"/>
+            <a:off x="0" y="5927320"/>
+            <a:ext cx="12192000" cy="584775"/>
           </a:xfrm>
           <a:prstGeom prst="rect">
             <a:avLst/>
@@ -3035,10 +3037,12 @@
           <a:p>
             <a:pPr algn="ctr"/>
             <a:r>
-              <a:rPr lang="en-US" sz="4800" dirty="0">
+              <a:rPr lang="en-US" sz="3200" u="sng" dirty="0">
                 <a:solidFill>
                   <a:schemeClr val="bg1"/>
                 </a:solidFill>
+                <a:latin typeface="Assistant SemiBold" panose="00000700000000000000" pitchFamily="2" charset="-79"/>
+                <a:cs typeface="Assistant SemiBold" panose="00000700000000000000" pitchFamily="2" charset="-79"/>
               </a:rPr>
               <a:t>“There’s an Old, Old Path”</a:t>
             </a:r>
@@ -3053,8 +3057,8 @@
         </p:nvSpPr>
         <p:spPr>
           <a:xfrm>
-            <a:off x="0" y="343313"/>
-            <a:ext cx="12192000" cy="5078313"/>
+            <a:off x="0" y="729571"/>
+            <a:ext cx="12192000" cy="3970318"/>
           </a:xfrm>
           <a:prstGeom prst="rect">
             <a:avLst/>
@@ -3069,10 +3073,12 @@
           <a:p>
             <a:pPr algn="ctr"/>
             <a:r>
-              <a:rPr lang="en-US" sz="3600" dirty="0">
+              <a:rPr lang="en-US" sz="2800" spc="50" dirty="0">
                 <a:solidFill>
                   <a:schemeClr val="bg1"/>
                 </a:solidFill>
+                <a:latin typeface="Assistant" panose="00000500000000000000" pitchFamily="2" charset="-79"/>
+                <a:cs typeface="Assistant" panose="00000500000000000000" pitchFamily="2" charset="-79"/>
               </a:rPr>
               <a:t>There’s an old, old path</a:t>
             </a:r>
@@ -3080,10 +3086,12 @@
           <a:p>
             <a:pPr algn="ctr"/>
             <a:r>
-              <a:rPr lang="en-US" sz="3600" dirty="0">
+              <a:rPr lang="en-US" sz="2800" spc="50" dirty="0">
                 <a:solidFill>
                   <a:schemeClr val="bg1"/>
                 </a:solidFill>
+                <a:latin typeface="Assistant" panose="00000500000000000000" pitchFamily="2" charset="-79"/>
+                <a:cs typeface="Assistant" panose="00000500000000000000" pitchFamily="2" charset="-79"/>
               </a:rPr>
               <a:t>Where the sun shines through</a:t>
             </a:r>
@@ -3091,10 +3099,12 @@
           <a:p>
             <a:pPr algn="ctr"/>
             <a:r>
-              <a:rPr lang="en-US" sz="3600" dirty="0">
+              <a:rPr lang="en-US" sz="2800" spc="50" dirty="0">
                 <a:solidFill>
                   <a:schemeClr val="bg1"/>
                 </a:solidFill>
+                <a:latin typeface="Assistant" panose="00000500000000000000" pitchFamily="2" charset="-79"/>
+                <a:cs typeface="Assistant" panose="00000500000000000000" pitchFamily="2" charset="-79"/>
               </a:rPr>
               <a:t>Life’s dark storm clouds</a:t>
             </a:r>
@@ -3102,29 +3112,35 @@
           <a:p>
             <a:pPr algn="ctr"/>
             <a:r>
-              <a:rPr lang="en-US" sz="3600" dirty="0">
+              <a:rPr lang="en-US" sz="2800" spc="50" dirty="0">
                 <a:solidFill>
                   <a:schemeClr val="bg1"/>
                 </a:solidFill>
+                <a:latin typeface="Assistant" panose="00000500000000000000" pitchFamily="2" charset="-79"/>
+                <a:cs typeface="Assistant" panose="00000500000000000000" pitchFamily="2" charset="-79"/>
               </a:rPr>
               <a:t>From its home of blue,</a:t>
             </a:r>
           </a:p>
           <a:p>
             <a:pPr algn="ctr"/>
-            <a:endParaRPr lang="en-US" sz="3600" dirty="0">
+            <a:endParaRPr lang="en-US" sz="2800" spc="50" dirty="0">
               <a:solidFill>
                 <a:schemeClr val="bg1"/>
               </a:solidFill>
+              <a:latin typeface="Assistant" panose="00000500000000000000" pitchFamily="2" charset="-79"/>
+              <a:cs typeface="Assistant" panose="00000500000000000000" pitchFamily="2" charset="-79"/>
             </a:endParaRPr>
           </a:p>
           <a:p>
             <a:pPr algn="ctr"/>
             <a:r>
-              <a:rPr lang="en-US" sz="3600" dirty="0">
+              <a:rPr lang="en-US" sz="2800" spc="50" dirty="0">
                 <a:solidFill>
                   <a:schemeClr val="bg1"/>
                 </a:solidFill>
+                <a:latin typeface="Assistant" panose="00000500000000000000" pitchFamily="2" charset="-79"/>
+                <a:cs typeface="Assistant" panose="00000500000000000000" pitchFamily="2" charset="-79"/>
               </a:rPr>
               <a:t>In this old, old path,</a:t>
             </a:r>
@@ -3132,10 +3148,12 @@
           <a:p>
             <a:pPr algn="ctr"/>
             <a:r>
-              <a:rPr lang="en-US" sz="3600" dirty="0">
+              <a:rPr lang="en-US" sz="2800" spc="50" dirty="0">
                 <a:solidFill>
                   <a:schemeClr val="bg1"/>
                 </a:solidFill>
+                <a:latin typeface="Assistant" panose="00000500000000000000" pitchFamily="2" charset="-79"/>
+                <a:cs typeface="Assistant" panose="00000500000000000000" pitchFamily="2" charset="-79"/>
               </a:rPr>
               <a:t>made strangely sweet,</a:t>
             </a:r>
@@ -3143,10 +3161,12 @@
           <a:p>
             <a:pPr algn="ctr"/>
             <a:r>
-              <a:rPr lang="en-US" sz="3600" dirty="0">
+              <a:rPr lang="en-US" sz="2800" spc="50" dirty="0">
                 <a:solidFill>
                   <a:schemeClr val="bg1"/>
                 </a:solidFill>
+                <a:latin typeface="Assistant" panose="00000500000000000000" pitchFamily="2" charset="-79"/>
+                <a:cs typeface="Assistant" panose="00000500000000000000" pitchFamily="2" charset="-79"/>
               </a:rPr>
               <a:t>By the touch divine</a:t>
             </a:r>
@@ -3154,10 +3174,12 @@
           <a:p>
             <a:pPr algn="ctr"/>
             <a:r>
-              <a:rPr lang="en-US" sz="3600" dirty="0">
+              <a:rPr lang="en-US" sz="2800" spc="50" dirty="0">
                 <a:solidFill>
                   <a:schemeClr val="bg1"/>
                 </a:solidFill>
+                <a:latin typeface="Assistant" panose="00000500000000000000" pitchFamily="2" charset="-79"/>
+                <a:cs typeface="Assistant" panose="00000500000000000000" pitchFamily="2" charset="-79"/>
               </a:rPr>
               <a:t>of His blessed feet.</a:t>
             </a:r>
@@ -3259,8 +3281,8 @@
         </p:nvSpPr>
         <p:spPr>
           <a:xfrm>
-            <a:off x="0" y="5804209"/>
-            <a:ext cx="12192000" cy="830997"/>
+            <a:off x="0" y="5927320"/>
+            <a:ext cx="12192000" cy="584775"/>
           </a:xfrm>
           <a:prstGeom prst="rect">
             <a:avLst/>
@@ -3275,10 +3297,12 @@
           <a:p>
             <a:pPr algn="ctr"/>
             <a:r>
-              <a:rPr lang="en-US" sz="4800" dirty="0">
+              <a:rPr lang="en-US" sz="3200" u="sng" dirty="0">
                 <a:solidFill>
                   <a:schemeClr val="bg1"/>
                 </a:solidFill>
+                <a:latin typeface="Assistant SemiBold" panose="00000700000000000000" pitchFamily="2" charset="-79"/>
+                <a:cs typeface="Assistant SemiBold" panose="00000700000000000000" pitchFamily="2" charset="-79"/>
               </a:rPr>
               <a:t>“There’s an Old, Old Path”</a:t>
             </a:r>
@@ -3293,8 +3317,8 @@
         </p:nvSpPr>
         <p:spPr>
           <a:xfrm>
-            <a:off x="0" y="343313"/>
-            <a:ext cx="12192000" cy="5078313"/>
+            <a:off x="0" y="729571"/>
+            <a:ext cx="12192000" cy="3970318"/>
           </a:xfrm>
           <a:prstGeom prst="rect">
             <a:avLst/>
@@ -3309,10 +3333,12 @@
           <a:p>
             <a:pPr algn="ctr"/>
             <a:r>
-              <a:rPr lang="en-US" sz="3600" dirty="0">
+              <a:rPr lang="en-US" sz="2800" spc="50" dirty="0">
                 <a:solidFill>
                   <a:schemeClr val="bg1"/>
                 </a:solidFill>
+                <a:latin typeface="Assistant" panose="00000500000000000000" pitchFamily="2" charset="-79"/>
+                <a:cs typeface="Assistant" panose="00000500000000000000" pitchFamily="2" charset="-79"/>
               </a:rPr>
               <a:t>Find the old, old path,</a:t>
             </a:r>
@@ -3320,18 +3346,22 @@
           <a:p>
             <a:pPr algn="ctr"/>
             <a:r>
-              <a:rPr lang="en-US" sz="3600" dirty="0" err="1">
+              <a:rPr lang="en-US" sz="2800" spc="50" dirty="0" err="1">
                 <a:solidFill>
                   <a:schemeClr val="bg1"/>
                 </a:solidFill>
+                <a:latin typeface="Assistant" panose="00000500000000000000" pitchFamily="2" charset="-79"/>
+                <a:cs typeface="Assistant" panose="00000500000000000000" pitchFamily="2" charset="-79"/>
               </a:rPr>
               <a:t>‘Twill</a:t>
             </a:r>
             <a:r>
-              <a:rPr lang="en-US" sz="3600" dirty="0">
+              <a:rPr lang="en-US" sz="2800" spc="50" dirty="0">
                 <a:solidFill>
                   <a:schemeClr val="bg1"/>
                 </a:solidFill>
+                <a:latin typeface="Assistant" panose="00000500000000000000" pitchFamily="2" charset="-79"/>
+                <a:cs typeface="Assistant" panose="00000500000000000000" pitchFamily="2" charset="-79"/>
               </a:rPr>
               <a:t> be ever new,</a:t>
             </a:r>
@@ -3339,26 +3369,32 @@
           <a:p>
             <a:pPr algn="ctr"/>
             <a:r>
-              <a:rPr lang="en-US" sz="3600" dirty="0">
+              <a:rPr lang="en-US" sz="2800" spc="50" dirty="0">
                 <a:solidFill>
                   <a:schemeClr val="bg1"/>
                 </a:solidFill>
+                <a:latin typeface="Assistant" panose="00000500000000000000" pitchFamily="2" charset="-79"/>
+                <a:cs typeface="Assistant" panose="00000500000000000000" pitchFamily="2" charset="-79"/>
               </a:rPr>
               <a:t>For the </a:t>
             </a:r>
             <a:r>
-              <a:rPr lang="en-US" sz="3600" dirty="0" err="1">
+              <a:rPr lang="en-US" sz="2800" spc="50" dirty="0" err="1">
                 <a:solidFill>
                   <a:schemeClr val="bg1"/>
                 </a:solidFill>
+                <a:latin typeface="Assistant" panose="00000500000000000000" pitchFamily="2" charset="-79"/>
+                <a:cs typeface="Assistant" panose="00000500000000000000" pitchFamily="2" charset="-79"/>
               </a:rPr>
               <a:t>Saviour</a:t>
             </a:r>
             <a:r>
-              <a:rPr lang="en-US" sz="3600" dirty="0">
+              <a:rPr lang="en-US" sz="2800" spc="50" dirty="0">
                 <a:solidFill>
                   <a:schemeClr val="bg1"/>
                 </a:solidFill>
+                <a:latin typeface="Assistant" panose="00000500000000000000" pitchFamily="2" charset="-79"/>
+                <a:cs typeface="Assistant" panose="00000500000000000000" pitchFamily="2" charset="-79"/>
               </a:rPr>
               <a:t> walks</a:t>
             </a:r>
@@ -3366,29 +3402,35 @@
           <a:p>
             <a:pPr algn="ctr"/>
             <a:r>
-              <a:rPr lang="en-US" sz="3600" dirty="0">
+              <a:rPr lang="en-US" sz="2800" spc="50" dirty="0">
                 <a:solidFill>
                   <a:schemeClr val="bg1"/>
                 </a:solidFill>
+                <a:latin typeface="Assistant" panose="00000500000000000000" pitchFamily="2" charset="-79"/>
+                <a:cs typeface="Assistant" panose="00000500000000000000" pitchFamily="2" charset="-79"/>
               </a:rPr>
               <a:t>All the way with you,</a:t>
             </a:r>
           </a:p>
           <a:p>
             <a:pPr algn="ctr"/>
-            <a:endParaRPr lang="en-US" sz="3600" dirty="0">
+            <a:endParaRPr lang="en-US" sz="2800" spc="50" dirty="0">
               <a:solidFill>
                 <a:schemeClr val="bg1"/>
               </a:solidFill>
+              <a:latin typeface="Assistant" panose="00000500000000000000" pitchFamily="2" charset="-79"/>
+              <a:cs typeface="Assistant" panose="00000500000000000000" pitchFamily="2" charset="-79"/>
             </a:endParaRPr>
           </a:p>
           <a:p>
             <a:pPr algn="ctr"/>
             <a:r>
-              <a:rPr lang="en-US" sz="3600" dirty="0">
+              <a:rPr lang="en-US" sz="2800" spc="50" dirty="0">
                 <a:solidFill>
                   <a:schemeClr val="bg1"/>
                 </a:solidFill>
+                <a:latin typeface="Assistant" panose="00000500000000000000" pitchFamily="2" charset="-79"/>
+                <a:cs typeface="Assistant" panose="00000500000000000000" pitchFamily="2" charset="-79"/>
               </a:rPr>
               <a:t>In this old, old path,</a:t>
             </a:r>
@@ -3396,10 +3438,12 @@
           <a:p>
             <a:pPr algn="ctr"/>
             <a:r>
-              <a:rPr lang="en-US" sz="3600" dirty="0">
+              <a:rPr lang="en-US" sz="2800" spc="50" dirty="0">
                 <a:solidFill>
                   <a:schemeClr val="bg1"/>
                 </a:solidFill>
+                <a:latin typeface="Assistant" panose="00000500000000000000" pitchFamily="2" charset="-79"/>
+                <a:cs typeface="Assistant" panose="00000500000000000000" pitchFamily="2" charset="-79"/>
               </a:rPr>
               <a:t>made strangely sweet,</a:t>
             </a:r>
@@ -3407,10 +3451,12 @@
           <a:p>
             <a:pPr algn="ctr"/>
             <a:r>
-              <a:rPr lang="en-US" sz="3600" dirty="0">
+              <a:rPr lang="en-US" sz="2800" spc="50" dirty="0">
                 <a:solidFill>
                   <a:schemeClr val="bg1"/>
                 </a:solidFill>
+                <a:latin typeface="Assistant" panose="00000500000000000000" pitchFamily="2" charset="-79"/>
+                <a:cs typeface="Assistant" panose="00000500000000000000" pitchFamily="2" charset="-79"/>
               </a:rPr>
               <a:t>By the touch divine</a:t>
             </a:r>
@@ -3418,10 +3464,12 @@
           <a:p>
             <a:pPr algn="ctr"/>
             <a:r>
-              <a:rPr lang="en-US" sz="3600" dirty="0">
+              <a:rPr lang="en-US" sz="2800" spc="50" dirty="0">
                 <a:solidFill>
                   <a:schemeClr val="bg1"/>
                 </a:solidFill>
+                <a:latin typeface="Assistant" panose="00000500000000000000" pitchFamily="2" charset="-79"/>
+                <a:cs typeface="Assistant" panose="00000500000000000000" pitchFamily="2" charset="-79"/>
               </a:rPr>
               <a:t>of His blessed feet.</a:t>
             </a:r>
@@ -3523,8 +3571,8 @@
         </p:nvSpPr>
         <p:spPr>
           <a:xfrm>
-            <a:off x="0" y="5804209"/>
-            <a:ext cx="12192000" cy="830997"/>
+            <a:off x="0" y="5927320"/>
+            <a:ext cx="12192000" cy="584775"/>
           </a:xfrm>
           <a:prstGeom prst="rect">
             <a:avLst/>
@@ -3539,10 +3587,12 @@
           <a:p>
             <a:pPr algn="ctr"/>
             <a:r>
-              <a:rPr lang="en-US" sz="4800" dirty="0">
+              <a:rPr lang="en-US" sz="3200" u="sng" dirty="0">
                 <a:solidFill>
                   <a:schemeClr val="bg1"/>
                 </a:solidFill>
+                <a:latin typeface="Assistant SemiBold" panose="00000700000000000000" pitchFamily="2" charset="-79"/>
+                <a:cs typeface="Assistant SemiBold" panose="00000700000000000000" pitchFamily="2" charset="-79"/>
               </a:rPr>
               <a:t>“There’s an Old, Old Path”</a:t>
             </a:r>
@@ -3557,8 +3607,8 @@
         </p:nvSpPr>
         <p:spPr>
           <a:xfrm>
-            <a:off x="0" y="343313"/>
-            <a:ext cx="12192000" cy="5078313"/>
+            <a:off x="0" y="729571"/>
+            <a:ext cx="12192000" cy="3970318"/>
           </a:xfrm>
           <a:prstGeom prst="rect">
             <a:avLst/>
@@ -3573,10 +3623,12 @@
           <a:p>
             <a:pPr algn="ctr"/>
             <a:r>
-              <a:rPr lang="en-US" sz="3600" dirty="0">
+              <a:rPr lang="en-US" sz="2800" spc="50" dirty="0">
                 <a:solidFill>
                   <a:schemeClr val="bg1"/>
                 </a:solidFill>
+                <a:latin typeface="Assistant" panose="00000500000000000000" pitchFamily="2" charset="-79"/>
+                <a:cs typeface="Assistant" panose="00000500000000000000" pitchFamily="2" charset="-79"/>
               </a:rPr>
               <a:t>In this old, old path</a:t>
             </a:r>
@@ -3584,10 +3636,12 @@
           <a:p>
             <a:pPr algn="ctr"/>
             <a:r>
-              <a:rPr lang="en-US" sz="3600" dirty="0">
+              <a:rPr lang="en-US" sz="2800" spc="50" dirty="0">
                 <a:solidFill>
                   <a:schemeClr val="bg1"/>
                 </a:solidFill>
+                <a:latin typeface="Assistant" panose="00000500000000000000" pitchFamily="2" charset="-79"/>
+                <a:cs typeface="Assistant" panose="00000500000000000000" pitchFamily="2" charset="-79"/>
               </a:rPr>
               <a:t>Are my friends most dear,</a:t>
             </a:r>
@@ -3595,10 +3649,12 @@
           <a:p>
             <a:pPr algn="ctr"/>
             <a:r>
-              <a:rPr lang="en-US" sz="3600" dirty="0">
+              <a:rPr lang="en-US" sz="2800" spc="50" dirty="0">
                 <a:solidFill>
                   <a:schemeClr val="bg1"/>
                 </a:solidFill>
+                <a:latin typeface="Assistant" panose="00000500000000000000" pitchFamily="2" charset="-79"/>
+                <a:cs typeface="Assistant" panose="00000500000000000000" pitchFamily="2" charset="-79"/>
               </a:rPr>
               <a:t>And I walk with them</a:t>
             </a:r>
@@ -3606,29 +3662,35 @@
           <a:p>
             <a:pPr algn="ctr"/>
             <a:r>
-              <a:rPr lang="en-US" sz="3600" dirty="0">
+              <a:rPr lang="en-US" sz="2800" spc="50" dirty="0">
                 <a:solidFill>
                   <a:schemeClr val="bg1"/>
                 </a:solidFill>
+                <a:latin typeface="Assistant" panose="00000500000000000000" pitchFamily="2" charset="-79"/>
+                <a:cs typeface="Assistant" panose="00000500000000000000" pitchFamily="2" charset="-79"/>
               </a:rPr>
               <a:t>With the angels near,</a:t>
             </a:r>
           </a:p>
           <a:p>
             <a:pPr algn="ctr"/>
-            <a:endParaRPr lang="en-US" sz="3600" dirty="0">
+            <a:endParaRPr lang="en-US" sz="2800" spc="50" dirty="0">
               <a:solidFill>
                 <a:schemeClr val="bg1"/>
               </a:solidFill>
+              <a:latin typeface="Assistant" panose="00000500000000000000" pitchFamily="2" charset="-79"/>
+              <a:cs typeface="Assistant" panose="00000500000000000000" pitchFamily="2" charset="-79"/>
             </a:endParaRPr>
           </a:p>
           <a:p>
             <a:pPr algn="ctr"/>
             <a:r>
-              <a:rPr lang="en-US" sz="3600" dirty="0">
+              <a:rPr lang="en-US" sz="2800" spc="50" dirty="0">
                 <a:solidFill>
                   <a:schemeClr val="bg1"/>
                 </a:solidFill>
+                <a:latin typeface="Assistant" panose="00000500000000000000" pitchFamily="2" charset="-79"/>
+                <a:cs typeface="Assistant" panose="00000500000000000000" pitchFamily="2" charset="-79"/>
               </a:rPr>
               <a:t>In this old, old path,</a:t>
             </a:r>
@@ -3636,10 +3698,12 @@
           <a:p>
             <a:pPr algn="ctr"/>
             <a:r>
-              <a:rPr lang="en-US" sz="3600" dirty="0">
+              <a:rPr lang="en-US" sz="2800" spc="50" dirty="0">
                 <a:solidFill>
                   <a:schemeClr val="bg1"/>
                 </a:solidFill>
+                <a:latin typeface="Assistant" panose="00000500000000000000" pitchFamily="2" charset="-79"/>
+                <a:cs typeface="Assistant" panose="00000500000000000000" pitchFamily="2" charset="-79"/>
               </a:rPr>
               <a:t>made strangely sweet,</a:t>
             </a:r>
@@ -3647,10 +3711,12 @@
           <a:p>
             <a:pPr algn="ctr"/>
             <a:r>
-              <a:rPr lang="en-US" sz="3600" dirty="0">
+              <a:rPr lang="en-US" sz="2800" spc="50" dirty="0">
                 <a:solidFill>
                   <a:schemeClr val="bg1"/>
                 </a:solidFill>
+                <a:latin typeface="Assistant" panose="00000500000000000000" pitchFamily="2" charset="-79"/>
+                <a:cs typeface="Assistant" panose="00000500000000000000" pitchFamily="2" charset="-79"/>
               </a:rPr>
               <a:t>By the touch divine</a:t>
             </a:r>
@@ -3658,10 +3724,12 @@
           <a:p>
             <a:pPr algn="ctr"/>
             <a:r>
-              <a:rPr lang="en-US" sz="3600" dirty="0">
+              <a:rPr lang="en-US" sz="2800" spc="50" dirty="0">
                 <a:solidFill>
                   <a:schemeClr val="bg1"/>
                 </a:solidFill>
+                <a:latin typeface="Assistant" panose="00000500000000000000" pitchFamily="2" charset="-79"/>
+                <a:cs typeface="Assistant" panose="00000500000000000000" pitchFamily="2" charset="-79"/>
               </a:rPr>
               <a:t>of His blessed feet.</a:t>
             </a:r>
@@ -3763,8 +3831,8 @@
         </p:nvSpPr>
         <p:spPr>
           <a:xfrm>
-            <a:off x="0" y="5804209"/>
-            <a:ext cx="12192000" cy="830997"/>
+            <a:off x="0" y="5927320"/>
+            <a:ext cx="12192000" cy="584775"/>
           </a:xfrm>
           <a:prstGeom prst="rect">
             <a:avLst/>
@@ -3779,10 +3847,12 @@
           <a:p>
             <a:pPr algn="ctr"/>
             <a:r>
-              <a:rPr lang="en-US" sz="4800" dirty="0">
+              <a:rPr lang="en-US" sz="3200" u="sng" dirty="0">
                 <a:solidFill>
                   <a:schemeClr val="bg1"/>
                 </a:solidFill>
+                <a:latin typeface="Assistant SemiBold" panose="00000700000000000000" pitchFamily="2" charset="-79"/>
+                <a:cs typeface="Assistant SemiBold" panose="00000700000000000000" pitchFamily="2" charset="-79"/>
               </a:rPr>
               <a:t>“There’s an Old, Old Path”</a:t>
             </a:r>
@@ -3797,8 +3867,8 @@
         </p:nvSpPr>
         <p:spPr>
           <a:xfrm>
-            <a:off x="0" y="343313"/>
-            <a:ext cx="12192000" cy="5078313"/>
+            <a:off x="0" y="729571"/>
+            <a:ext cx="12192000" cy="3970318"/>
           </a:xfrm>
           <a:prstGeom prst="rect">
             <a:avLst/>
@@ -3813,18 +3883,22 @@
           <a:p>
             <a:pPr algn="ctr"/>
             <a:r>
-              <a:rPr lang="en-US" sz="3600" dirty="0" err="1">
+              <a:rPr lang="en-US" sz="2800" spc="50" dirty="0" err="1">
                 <a:solidFill>
                   <a:schemeClr val="bg1"/>
                 </a:solidFill>
+                <a:latin typeface="Assistant" panose="00000500000000000000" pitchFamily="2" charset="-79"/>
+                <a:cs typeface="Assistant" panose="00000500000000000000" pitchFamily="2" charset="-79"/>
               </a:rPr>
               <a:t>‘Tis</a:t>
             </a:r>
             <a:r>
-              <a:rPr lang="en-US" sz="3600" dirty="0">
+              <a:rPr lang="en-US" sz="2800" spc="50" dirty="0">
                 <a:solidFill>
                   <a:schemeClr val="bg1"/>
                 </a:solidFill>
+                <a:latin typeface="Assistant" panose="00000500000000000000" pitchFamily="2" charset="-79"/>
+                <a:cs typeface="Assistant" panose="00000500000000000000" pitchFamily="2" charset="-79"/>
               </a:rPr>
               <a:t> an old, old path, </a:t>
             </a:r>
@@ -3832,10 +3906,12 @@
           <a:p>
             <a:pPr algn="ctr"/>
             <a:r>
-              <a:rPr lang="en-US" sz="3600" dirty="0">
+              <a:rPr lang="en-US" sz="2800" spc="50" dirty="0">
                 <a:solidFill>
                   <a:schemeClr val="bg1"/>
                 </a:solidFill>
+                <a:latin typeface="Assistant" panose="00000500000000000000" pitchFamily="2" charset="-79"/>
+                <a:cs typeface="Assistant" panose="00000500000000000000" pitchFamily="2" charset="-79"/>
               </a:rPr>
               <a:t>Shadowed vales between,</a:t>
             </a:r>
@@ -3843,10 +3919,12 @@
           <a:p>
             <a:pPr algn="ctr"/>
             <a:r>
-              <a:rPr lang="en-US" sz="3600" dirty="0">
+              <a:rPr lang="en-US" sz="2800" spc="50" dirty="0">
                 <a:solidFill>
                   <a:schemeClr val="bg1"/>
                 </a:solidFill>
+                <a:latin typeface="Assistant" panose="00000500000000000000" pitchFamily="2" charset="-79"/>
+                <a:cs typeface="Assistant" panose="00000500000000000000" pitchFamily="2" charset="-79"/>
               </a:rPr>
               <a:t>Yet I fearless walk</a:t>
             </a:r>
@@ -3854,45 +3932,55 @@
           <a:p>
             <a:pPr algn="ctr"/>
             <a:r>
-              <a:rPr lang="en-US" sz="3600" dirty="0">
+              <a:rPr lang="en-US" sz="2800" spc="50" dirty="0">
                 <a:solidFill>
                   <a:schemeClr val="bg1"/>
                 </a:solidFill>
+                <a:latin typeface="Assistant" panose="00000500000000000000" pitchFamily="2" charset="-79"/>
+                <a:cs typeface="Assistant" panose="00000500000000000000" pitchFamily="2" charset="-79"/>
               </a:rPr>
               <a:t>With the </a:t>
             </a:r>
             <a:r>
-              <a:rPr lang="en-US" sz="3600" dirty="0" err="1">
+              <a:rPr lang="en-US" sz="2800" spc="50" dirty="0" err="1">
                 <a:solidFill>
                   <a:schemeClr val="bg1"/>
                 </a:solidFill>
+                <a:latin typeface="Assistant" panose="00000500000000000000" pitchFamily="2" charset="-79"/>
+                <a:cs typeface="Assistant" panose="00000500000000000000" pitchFamily="2" charset="-79"/>
               </a:rPr>
               <a:t>Nazerene</a:t>
             </a:r>
             <a:r>
-              <a:rPr lang="en-US" sz="3600" dirty="0">
+              <a:rPr lang="en-US" sz="2800" spc="50" dirty="0">
                 <a:solidFill>
                   <a:schemeClr val="bg1"/>
                 </a:solidFill>
+                <a:latin typeface="Assistant" panose="00000500000000000000" pitchFamily="2" charset="-79"/>
+                <a:cs typeface="Assistant" panose="00000500000000000000" pitchFamily="2" charset="-79"/>
               </a:rPr>
               <a:t>,</a:t>
             </a:r>
           </a:p>
           <a:p>
             <a:pPr algn="ctr"/>
-            <a:endParaRPr lang="en-US" sz="3600" dirty="0">
+            <a:endParaRPr lang="en-US" sz="2800" spc="50" dirty="0">
               <a:solidFill>
                 <a:schemeClr val="bg1"/>
               </a:solidFill>
+              <a:latin typeface="Assistant" panose="00000500000000000000" pitchFamily="2" charset="-79"/>
+              <a:cs typeface="Assistant" panose="00000500000000000000" pitchFamily="2" charset="-79"/>
             </a:endParaRPr>
           </a:p>
           <a:p>
             <a:pPr algn="ctr"/>
             <a:r>
-              <a:rPr lang="en-US" sz="3600" dirty="0">
+              <a:rPr lang="en-US" sz="2800" spc="50" dirty="0">
                 <a:solidFill>
                   <a:schemeClr val="bg1"/>
                 </a:solidFill>
+                <a:latin typeface="Assistant" panose="00000500000000000000" pitchFamily="2" charset="-79"/>
+                <a:cs typeface="Assistant" panose="00000500000000000000" pitchFamily="2" charset="-79"/>
               </a:rPr>
               <a:t>In this old, old path,</a:t>
             </a:r>
@@ -3900,10 +3988,12 @@
           <a:p>
             <a:pPr algn="ctr"/>
             <a:r>
-              <a:rPr lang="en-US" sz="3600" dirty="0">
+              <a:rPr lang="en-US" sz="2800" spc="50" dirty="0">
                 <a:solidFill>
                   <a:schemeClr val="bg1"/>
                 </a:solidFill>
+                <a:latin typeface="Assistant" panose="00000500000000000000" pitchFamily="2" charset="-79"/>
+                <a:cs typeface="Assistant" panose="00000500000000000000" pitchFamily="2" charset="-79"/>
               </a:rPr>
               <a:t>made strangely sweet,</a:t>
             </a:r>
@@ -3911,10 +4001,12 @@
           <a:p>
             <a:pPr algn="ctr"/>
             <a:r>
-              <a:rPr lang="en-US" sz="3600" dirty="0">
+              <a:rPr lang="en-US" sz="2800" spc="50" dirty="0">
                 <a:solidFill>
                   <a:schemeClr val="bg1"/>
                 </a:solidFill>
+                <a:latin typeface="Assistant" panose="00000500000000000000" pitchFamily="2" charset="-79"/>
+                <a:cs typeface="Assistant" panose="00000500000000000000" pitchFamily="2" charset="-79"/>
               </a:rPr>
               <a:t>By the touch divine</a:t>
             </a:r>
@@ -3922,10 +4014,12 @@
           <a:p>
             <a:pPr algn="ctr"/>
             <a:r>
-              <a:rPr lang="en-US" sz="3600" dirty="0">
+              <a:rPr lang="en-US" sz="2800" spc="50" dirty="0">
                 <a:solidFill>
                   <a:schemeClr val="bg1"/>
                 </a:solidFill>
+                <a:latin typeface="Assistant" panose="00000500000000000000" pitchFamily="2" charset="-79"/>
+                <a:cs typeface="Assistant" panose="00000500000000000000" pitchFamily="2" charset="-79"/>
               </a:rPr>
               <a:t>of His blessed feet.</a:t>
             </a:r>
